--- a/Documentacion/Proyecto Integrado (ALFA).pptx
+++ b/Documentacion/Proyecto Integrado (ALFA).pptx
@@ -7,10 +7,13 @@
   <p:sldIdLst>
     <p:sldId id="256" r:id="rId2"/>
     <p:sldId id="257" r:id="rId3"/>
-    <p:sldId id="258" r:id="rId4"/>
-    <p:sldId id="259" r:id="rId5"/>
-    <p:sldId id="260" r:id="rId6"/>
-    <p:sldId id="261" r:id="rId7"/>
+    <p:sldId id="262" r:id="rId4"/>
+    <p:sldId id="263" r:id="rId5"/>
+    <p:sldId id="264" r:id="rId6"/>
+    <p:sldId id="258" r:id="rId7"/>
+    <p:sldId id="259" r:id="rId8"/>
+    <p:sldId id="260" r:id="rId9"/>
+    <p:sldId id="261" r:id="rId10"/>
   </p:sldIdLst>
   <p:sldSz cx="12192000" cy="6858000"/>
   <p:notesSz cx="6858000" cy="9144000"/>
@@ -109,6 +112,11 @@
       </a:defRPr>
     </a:lvl9pPr>
   </p:defaultTextStyle>
+  <p:extLst>
+    <p:ext uri="{EFAFB233-063F-42B5-8137-9DF3F51BA10A}">
+      <p15:sldGuideLst xmlns:p15="http://schemas.microsoft.com/office/powerpoint/2012/main"/>
+    </p:ext>
+  </p:extLst>
 </p:presentation>
 </file>
 
@@ -295,7 +303,7 @@
           </a:lstStyle>
           <a:p>
             <a:r>
-              <a:rPr lang="es-ES" smtClean="0"/>
+              <a:rPr lang="es-ES"/>
               <a:t>Haga clic para modificar el estilo de título del patrón</a:t>
             </a:r>
             <a:endParaRPr lang="en-US" dirty="0"/>
@@ -414,7 +422,7 @@
           </a:lstStyle>
           <a:p>
             <a:r>
-              <a:rPr lang="es-ES" smtClean="0"/>
+              <a:rPr lang="es-ES"/>
               <a:t>Haga clic para modificar el estilo de subtítulo del patrón</a:t>
             </a:r>
             <a:endParaRPr lang="en-US" dirty="0"/>
@@ -443,7 +451,7 @@
           <a:p>
             <a:fld id="{9BAA3810-F1BA-43DC-9256-15A08C5590EE}" type="datetimeFigureOut">
               <a:rPr lang="es-ES" smtClean="0"/>
-              <a:t>20/04/2021</a:t>
+              <a:t>21/04/2021</a:t>
             </a:fld>
             <a:endParaRPr lang="es-ES"/>
           </a:p>
@@ -588,7 +596,7 @@
           </a:lstStyle>
           <a:p>
             <a:r>
-              <a:rPr lang="es-ES" smtClean="0"/>
+              <a:rPr lang="es-ES"/>
               <a:t>Haga clic para modificar el estilo de título del patrón</a:t>
             </a:r>
             <a:endParaRPr lang="en-US" dirty="0"/>
@@ -676,7 +684,7 @@
           </a:lstStyle>
           <a:p>
             <a:r>
-              <a:rPr lang="es-ES" smtClean="0"/>
+              <a:rPr lang="es-ES"/>
               <a:t>Haga clic en el icono para agregar una imagen</a:t>
             </a:r>
             <a:endParaRPr lang="en-US" dirty="0"/>
@@ -744,7 +752,7 @@
           <a:p>
             <a:pPr lvl="0"/>
             <a:r>
-              <a:rPr lang="es-ES" smtClean="0"/>
+              <a:rPr lang="es-ES"/>
               <a:t>Haga clic para modificar el estilo de texto del patrón</a:t>
             </a:r>
           </a:p>
@@ -767,7 +775,7 @@
           <a:p>
             <a:fld id="{9BAA3810-F1BA-43DC-9256-15A08C5590EE}" type="datetimeFigureOut">
               <a:rPr lang="es-ES" smtClean="0"/>
-              <a:t>20/04/2021</a:t>
+              <a:t>21/04/2021</a:t>
             </a:fld>
             <a:endParaRPr lang="es-ES"/>
           </a:p>
@@ -872,7 +880,7 @@
           </a:lstStyle>
           <a:p>
             <a:r>
-              <a:rPr lang="es-ES" smtClean="0"/>
+              <a:rPr lang="es-ES"/>
               <a:t>Haga clic para modificar el estilo de título del patrón</a:t>
             </a:r>
             <a:endParaRPr lang="en-US" dirty="0"/>
@@ -992,7 +1000,7 @@
           <a:p>
             <a:pPr lvl="0"/>
             <a:r>
-              <a:rPr lang="es-ES" smtClean="0"/>
+              <a:rPr lang="es-ES"/>
               <a:t>Haga clic para modificar el estilo de texto del patrón</a:t>
             </a:r>
           </a:p>
@@ -1015,7 +1023,7 @@
           <a:p>
             <a:fld id="{9BAA3810-F1BA-43DC-9256-15A08C5590EE}" type="datetimeFigureOut">
               <a:rPr lang="es-ES" smtClean="0"/>
-              <a:t>20/04/2021</a:t>
+              <a:t>21/04/2021</a:t>
             </a:fld>
             <a:endParaRPr lang="es-ES"/>
           </a:p>
@@ -1155,7 +1163,7 @@
           </a:lstStyle>
           <a:p>
             <a:r>
-              <a:rPr lang="es-ES" smtClean="0"/>
+              <a:rPr lang="es-ES"/>
               <a:t>Haga clic para modificar el estilo de título del patrón</a:t>
             </a:r>
             <a:endParaRPr lang="en-US" dirty="0"/>
@@ -1212,7 +1220,7 @@
           <a:p>
             <a:pPr lvl="0"/>
             <a:r>
-              <a:rPr lang="es-ES" smtClean="0"/>
+              <a:rPr lang="es-ES"/>
               <a:t>Haga clic para modificar el estilo de texto del patrón</a:t>
             </a:r>
           </a:p>
@@ -1331,7 +1339,7 @@
           <a:p>
             <a:pPr lvl="0"/>
             <a:r>
-              <a:rPr lang="es-ES" smtClean="0"/>
+              <a:rPr lang="es-ES"/>
               <a:t>Haga clic para modificar el estilo de texto del patrón</a:t>
             </a:r>
           </a:p>
@@ -1354,7 +1362,7 @@
           <a:p>
             <a:fld id="{9BAA3810-F1BA-43DC-9256-15A08C5590EE}" type="datetimeFigureOut">
               <a:rPr lang="es-ES" smtClean="0"/>
-              <a:t>20/04/2021</a:t>
+              <a:t>21/04/2021</a:t>
             </a:fld>
             <a:endParaRPr lang="es-ES"/>
           </a:p>
@@ -1558,7 +1566,7 @@
           </a:lstStyle>
           <a:p>
             <a:r>
-              <a:rPr lang="es-ES" smtClean="0"/>
+              <a:rPr lang="es-ES"/>
               <a:t>Haga clic para modificar el estilo de título del patrón</a:t>
             </a:r>
             <a:endParaRPr lang="en-US" dirty="0"/>
@@ -1678,7 +1686,7 @@
           <a:p>
             <a:pPr lvl="0"/>
             <a:r>
-              <a:rPr lang="es-ES" smtClean="0"/>
+              <a:rPr lang="es-ES"/>
               <a:t>Haga clic para modificar el estilo de texto del patrón</a:t>
             </a:r>
           </a:p>
@@ -1701,7 +1709,7 @@
           <a:p>
             <a:fld id="{9BAA3810-F1BA-43DC-9256-15A08C5590EE}" type="datetimeFigureOut">
               <a:rPr lang="es-ES" smtClean="0"/>
-              <a:t>20/04/2021</a:t>
+              <a:t>21/04/2021</a:t>
             </a:fld>
             <a:endParaRPr lang="es-ES"/>
           </a:p>
@@ -1810,7 +1818,7 @@
           </a:lstStyle>
           <a:p>
             <a:r>
-              <a:rPr lang="es-ES" smtClean="0"/>
+              <a:rPr lang="es-ES"/>
               <a:t>Haga clic para modificar el estilo de título del patrón</a:t>
             </a:r>
             <a:endParaRPr lang="en-US" dirty="0"/>
@@ -1933,7 +1941,7 @@
           <a:p>
             <a:pPr lvl="0"/>
             <a:r>
-              <a:rPr lang="es-ES" smtClean="0"/>
+              <a:rPr lang="es-ES"/>
               <a:t>Haga clic para modificar el estilo de texto del patrón</a:t>
             </a:r>
           </a:p>
@@ -2052,7 +2060,7 @@
           <a:p>
             <a:pPr lvl="0"/>
             <a:r>
-              <a:rPr lang="es-ES" smtClean="0"/>
+              <a:rPr lang="es-ES"/>
               <a:t>Haga clic para modificar el estilo de texto del patrón</a:t>
             </a:r>
           </a:p>
@@ -2075,7 +2083,7 @@
           <a:p>
             <a:fld id="{9BAA3810-F1BA-43DC-9256-15A08C5590EE}" type="datetimeFigureOut">
               <a:rPr lang="es-ES" smtClean="0"/>
-              <a:t>20/04/2021</a:t>
+              <a:t>21/04/2021</a:t>
             </a:fld>
             <a:endParaRPr lang="es-ES"/>
           </a:p>
@@ -2280,7 +2288,7 @@
           <a:p>
             <a:pPr marL="0" lvl="0"/>
             <a:r>
-              <a:rPr lang="es-ES" smtClean="0"/>
+              <a:rPr lang="es-ES"/>
               <a:t>Haga clic para modificar el estilo de título del patrón</a:t>
             </a:r>
             <a:endParaRPr lang="en-US" dirty="0"/>
@@ -2403,7 +2411,7 @@
           <a:p>
             <a:pPr lvl="0"/>
             <a:r>
-              <a:rPr lang="es-ES" smtClean="0"/>
+              <a:rPr lang="es-ES"/>
               <a:t>Haga clic para modificar el estilo de texto del patrón</a:t>
             </a:r>
           </a:p>
@@ -2522,7 +2530,7 @@
           <a:p>
             <a:pPr lvl="0"/>
             <a:r>
-              <a:rPr lang="es-ES" smtClean="0"/>
+              <a:rPr lang="es-ES"/>
               <a:t>Haga clic para modificar el estilo de texto del patrón</a:t>
             </a:r>
           </a:p>
@@ -2545,7 +2553,7 @@
           <a:p>
             <a:fld id="{9BAA3810-F1BA-43DC-9256-15A08C5590EE}" type="datetimeFigureOut">
               <a:rPr lang="es-ES" smtClean="0"/>
-              <a:t>20/04/2021</a:t>
+              <a:t>21/04/2021</a:t>
             </a:fld>
             <a:endParaRPr lang="es-ES"/>
           </a:p>
@@ -2674,7 +2682,7 @@
           </a:lstStyle>
           <a:p>
             <a:r>
-              <a:rPr lang="es-ES" smtClean="0"/>
+              <a:rPr lang="es-ES"/>
               <a:t>Haga clic para modificar el estilo de título del patrón</a:t>
             </a:r>
             <a:endParaRPr lang="en-US" dirty="0"/>
@@ -2698,35 +2706,35 @@
           <a:p>
             <a:pPr lvl="0"/>
             <a:r>
-              <a:rPr lang="es-ES" smtClean="0"/>
+              <a:rPr lang="es-ES"/>
               <a:t>Haga clic para modificar el estilo de texto del patrón</a:t>
             </a:r>
           </a:p>
           <a:p>
             <a:pPr lvl="1"/>
             <a:r>
-              <a:rPr lang="es-ES" smtClean="0"/>
+              <a:rPr lang="es-ES"/>
               <a:t>Segundo nivel</a:t>
             </a:r>
           </a:p>
           <a:p>
             <a:pPr lvl="2"/>
             <a:r>
-              <a:rPr lang="es-ES" smtClean="0"/>
+              <a:rPr lang="es-ES"/>
               <a:t>Tercer nivel</a:t>
             </a:r>
           </a:p>
           <a:p>
             <a:pPr lvl="3"/>
             <a:r>
-              <a:rPr lang="es-ES" smtClean="0"/>
+              <a:rPr lang="es-ES"/>
               <a:t>Cuarto nivel</a:t>
             </a:r>
           </a:p>
           <a:p>
             <a:pPr lvl="4"/>
             <a:r>
-              <a:rPr lang="es-ES" smtClean="0"/>
+              <a:rPr lang="es-ES"/>
               <a:t>Quinto nivel</a:t>
             </a:r>
             <a:endParaRPr lang="en-US" dirty="0"/>
@@ -2750,7 +2758,7 @@
           <a:p>
             <a:fld id="{9BAA3810-F1BA-43DC-9256-15A08C5590EE}" type="datetimeFigureOut">
               <a:rPr lang="es-ES" smtClean="0"/>
-              <a:t>20/04/2021</a:t>
+              <a:t>21/04/2021</a:t>
             </a:fld>
             <a:endParaRPr lang="es-ES"/>
           </a:p>
@@ -2880,7 +2888,7 @@
           <a:lstStyle/>
           <a:p>
             <a:r>
-              <a:rPr lang="es-ES" smtClean="0"/>
+              <a:rPr lang="es-ES"/>
               <a:t>Haga clic para modificar el estilo de título del patrón</a:t>
             </a:r>
             <a:endParaRPr lang="en-US" dirty="0"/>
@@ -2909,35 +2917,35 @@
           <a:p>
             <a:pPr lvl="0"/>
             <a:r>
-              <a:rPr lang="es-ES" smtClean="0"/>
+              <a:rPr lang="es-ES"/>
               <a:t>Haga clic para modificar el estilo de texto del patrón</a:t>
             </a:r>
           </a:p>
           <a:p>
             <a:pPr lvl="1"/>
             <a:r>
-              <a:rPr lang="es-ES" smtClean="0"/>
+              <a:rPr lang="es-ES"/>
               <a:t>Segundo nivel</a:t>
             </a:r>
           </a:p>
           <a:p>
             <a:pPr lvl="2"/>
             <a:r>
-              <a:rPr lang="es-ES" smtClean="0"/>
+              <a:rPr lang="es-ES"/>
               <a:t>Tercer nivel</a:t>
             </a:r>
           </a:p>
           <a:p>
             <a:pPr lvl="3"/>
             <a:r>
-              <a:rPr lang="es-ES" smtClean="0"/>
+              <a:rPr lang="es-ES"/>
               <a:t>Cuarto nivel</a:t>
             </a:r>
           </a:p>
           <a:p>
             <a:pPr lvl="4"/>
             <a:r>
-              <a:rPr lang="es-ES" smtClean="0"/>
+              <a:rPr lang="es-ES"/>
               <a:t>Quinto nivel</a:t>
             </a:r>
             <a:endParaRPr lang="en-US" dirty="0"/>
@@ -2961,7 +2969,7 @@
           <a:p>
             <a:fld id="{9BAA3810-F1BA-43DC-9256-15A08C5590EE}" type="datetimeFigureOut">
               <a:rPr lang="es-ES" smtClean="0"/>
-              <a:t>20/04/2021</a:t>
+              <a:t>21/04/2021</a:t>
             </a:fld>
             <a:endParaRPr lang="es-ES"/>
           </a:p>
@@ -3117,7 +3125,7 @@
           <a:lstStyle/>
           <a:p>
             <a:r>
-              <a:rPr lang="es-ES" smtClean="0"/>
+              <a:rPr lang="es-ES"/>
               <a:t>Haga clic para modificar el estilo de título del patrón</a:t>
             </a:r>
             <a:endParaRPr lang="en-US" dirty="0"/>
@@ -3141,35 +3149,35 @@
           <a:p>
             <a:pPr lvl="0"/>
             <a:r>
-              <a:rPr lang="es-ES" smtClean="0"/>
+              <a:rPr lang="es-ES"/>
               <a:t>Haga clic para modificar el estilo de texto del patrón</a:t>
             </a:r>
           </a:p>
           <a:p>
             <a:pPr lvl="1"/>
             <a:r>
-              <a:rPr lang="es-ES" smtClean="0"/>
+              <a:rPr lang="es-ES"/>
               <a:t>Segundo nivel</a:t>
             </a:r>
           </a:p>
           <a:p>
             <a:pPr lvl="2"/>
             <a:r>
-              <a:rPr lang="es-ES" smtClean="0"/>
+              <a:rPr lang="es-ES"/>
               <a:t>Tercer nivel</a:t>
             </a:r>
           </a:p>
           <a:p>
             <a:pPr lvl="3"/>
             <a:r>
-              <a:rPr lang="es-ES" smtClean="0"/>
+              <a:rPr lang="es-ES"/>
               <a:t>Cuarto nivel</a:t>
             </a:r>
           </a:p>
           <a:p>
             <a:pPr lvl="4"/>
             <a:r>
-              <a:rPr lang="es-ES" smtClean="0"/>
+              <a:rPr lang="es-ES"/>
               <a:t>Quinto nivel</a:t>
             </a:r>
             <a:endParaRPr lang="en-US" dirty="0"/>
@@ -3193,7 +3201,7 @@
           <a:p>
             <a:fld id="{9BAA3810-F1BA-43DC-9256-15A08C5590EE}" type="datetimeFigureOut">
               <a:rPr lang="es-ES" smtClean="0"/>
-              <a:t>20/04/2021</a:t>
+              <a:t>21/04/2021</a:t>
             </a:fld>
             <a:endParaRPr lang="es-ES"/>
           </a:p>
@@ -3298,7 +3306,7 @@
           </a:lstStyle>
           <a:p>
             <a:r>
-              <a:rPr lang="es-ES" smtClean="0"/>
+              <a:rPr lang="es-ES"/>
               <a:t>Haga clic para modificar el estilo de título del patrón</a:t>
             </a:r>
             <a:endParaRPr lang="en-US" dirty="0"/>
@@ -3418,7 +3426,7 @@
           <a:p>
             <a:pPr lvl="0"/>
             <a:r>
-              <a:rPr lang="es-ES" smtClean="0"/>
+              <a:rPr lang="es-ES"/>
               <a:t>Haga clic para modificar el estilo de texto del patrón</a:t>
             </a:r>
           </a:p>
@@ -3441,7 +3449,7 @@
           <a:p>
             <a:fld id="{9BAA3810-F1BA-43DC-9256-15A08C5590EE}" type="datetimeFigureOut">
               <a:rPr lang="es-ES" smtClean="0"/>
-              <a:t>20/04/2021</a:t>
+              <a:t>21/04/2021</a:t>
             </a:fld>
             <a:endParaRPr lang="es-ES"/>
           </a:p>
@@ -3597,7 +3605,7 @@
           <a:lstStyle/>
           <a:p>
             <a:r>
-              <a:rPr lang="es-ES" smtClean="0"/>
+              <a:rPr lang="es-ES"/>
               <a:t>Haga clic para modificar el estilo de título del patrón</a:t>
             </a:r>
             <a:endParaRPr lang="en-US" dirty="0"/>
@@ -3628,35 +3636,35 @@
           <a:p>
             <a:pPr lvl="0"/>
             <a:r>
-              <a:rPr lang="es-ES" smtClean="0"/>
+              <a:rPr lang="es-ES"/>
               <a:t>Haga clic para modificar el estilo de texto del patrón</a:t>
             </a:r>
           </a:p>
           <a:p>
             <a:pPr lvl="1"/>
             <a:r>
-              <a:rPr lang="es-ES" smtClean="0"/>
+              <a:rPr lang="es-ES"/>
               <a:t>Segundo nivel</a:t>
             </a:r>
           </a:p>
           <a:p>
             <a:pPr lvl="2"/>
             <a:r>
-              <a:rPr lang="es-ES" smtClean="0"/>
+              <a:rPr lang="es-ES"/>
               <a:t>Tercer nivel</a:t>
             </a:r>
           </a:p>
           <a:p>
             <a:pPr lvl="3"/>
             <a:r>
-              <a:rPr lang="es-ES" smtClean="0"/>
+              <a:rPr lang="es-ES"/>
               <a:t>Cuarto nivel</a:t>
             </a:r>
           </a:p>
           <a:p>
             <a:pPr lvl="4"/>
             <a:r>
-              <a:rPr lang="es-ES" smtClean="0"/>
+              <a:rPr lang="es-ES"/>
               <a:t>Quinto nivel</a:t>
             </a:r>
             <a:endParaRPr lang="en-US" dirty="0"/>
@@ -3687,35 +3695,35 @@
           <a:p>
             <a:pPr lvl="0"/>
             <a:r>
-              <a:rPr lang="es-ES" smtClean="0"/>
+              <a:rPr lang="es-ES"/>
               <a:t>Haga clic para modificar el estilo de texto del patrón</a:t>
             </a:r>
           </a:p>
           <a:p>
             <a:pPr lvl="1"/>
             <a:r>
-              <a:rPr lang="es-ES" smtClean="0"/>
+              <a:rPr lang="es-ES"/>
               <a:t>Segundo nivel</a:t>
             </a:r>
           </a:p>
           <a:p>
             <a:pPr lvl="2"/>
             <a:r>
-              <a:rPr lang="es-ES" smtClean="0"/>
+              <a:rPr lang="es-ES"/>
               <a:t>Tercer nivel</a:t>
             </a:r>
           </a:p>
           <a:p>
             <a:pPr lvl="3"/>
             <a:r>
-              <a:rPr lang="es-ES" smtClean="0"/>
+              <a:rPr lang="es-ES"/>
               <a:t>Cuarto nivel</a:t>
             </a:r>
           </a:p>
           <a:p>
             <a:pPr lvl="4"/>
             <a:r>
-              <a:rPr lang="es-ES" smtClean="0"/>
+              <a:rPr lang="es-ES"/>
               <a:t>Quinto nivel</a:t>
             </a:r>
             <a:endParaRPr lang="en-US" dirty="0"/>
@@ -3739,7 +3747,7 @@
           <a:p>
             <a:fld id="{9BAA3810-F1BA-43DC-9256-15A08C5590EE}" type="datetimeFigureOut">
               <a:rPr lang="es-ES" smtClean="0"/>
-              <a:t>20/04/2021</a:t>
+              <a:t>21/04/2021</a:t>
             </a:fld>
             <a:endParaRPr lang="es-ES"/>
           </a:p>
@@ -3837,7 +3845,7 @@
           </a:lstStyle>
           <a:p>
             <a:r>
-              <a:rPr lang="es-ES" smtClean="0"/>
+              <a:rPr lang="es-ES"/>
               <a:t>Haga clic para modificar el estilo de título del patrón</a:t>
             </a:r>
             <a:endParaRPr lang="en-US" dirty="0"/>
@@ -3915,7 +3923,7 @@
           <a:p>
             <a:pPr lvl="0"/>
             <a:r>
-              <a:rPr lang="es-ES" smtClean="0"/>
+              <a:rPr lang="es-ES"/>
               <a:t>Haga clic para modificar el estilo de texto del patrón</a:t>
             </a:r>
           </a:p>
@@ -3945,35 +3953,35 @@
           <a:p>
             <a:pPr lvl="0"/>
             <a:r>
-              <a:rPr lang="es-ES" smtClean="0"/>
+              <a:rPr lang="es-ES"/>
               <a:t>Haga clic para modificar el estilo de texto del patrón</a:t>
             </a:r>
           </a:p>
           <a:p>
             <a:pPr lvl="1"/>
             <a:r>
-              <a:rPr lang="es-ES" smtClean="0"/>
+              <a:rPr lang="es-ES"/>
               <a:t>Segundo nivel</a:t>
             </a:r>
           </a:p>
           <a:p>
             <a:pPr lvl="2"/>
             <a:r>
-              <a:rPr lang="es-ES" smtClean="0"/>
+              <a:rPr lang="es-ES"/>
               <a:t>Tercer nivel</a:t>
             </a:r>
           </a:p>
           <a:p>
             <a:pPr lvl="3"/>
             <a:r>
-              <a:rPr lang="es-ES" smtClean="0"/>
+              <a:rPr lang="es-ES"/>
               <a:t>Cuarto nivel</a:t>
             </a:r>
           </a:p>
           <a:p>
             <a:pPr lvl="4"/>
             <a:r>
-              <a:rPr lang="es-ES" smtClean="0"/>
+              <a:rPr lang="es-ES"/>
               <a:t>Quinto nivel</a:t>
             </a:r>
             <a:endParaRPr lang="en-US" dirty="0"/>
@@ -4051,7 +4059,7 @@
           <a:p>
             <a:pPr lvl="0"/>
             <a:r>
-              <a:rPr lang="es-ES" smtClean="0"/>
+              <a:rPr lang="es-ES"/>
               <a:t>Haga clic para modificar el estilo de texto del patrón</a:t>
             </a:r>
           </a:p>
@@ -4081,35 +4089,35 @@
           <a:p>
             <a:pPr lvl="0"/>
             <a:r>
-              <a:rPr lang="es-ES" smtClean="0"/>
+              <a:rPr lang="es-ES"/>
               <a:t>Haga clic para modificar el estilo de texto del patrón</a:t>
             </a:r>
           </a:p>
           <a:p>
             <a:pPr lvl="1"/>
             <a:r>
-              <a:rPr lang="es-ES" smtClean="0"/>
+              <a:rPr lang="es-ES"/>
               <a:t>Segundo nivel</a:t>
             </a:r>
           </a:p>
           <a:p>
             <a:pPr lvl="2"/>
             <a:r>
-              <a:rPr lang="es-ES" smtClean="0"/>
+              <a:rPr lang="es-ES"/>
               <a:t>Tercer nivel</a:t>
             </a:r>
           </a:p>
           <a:p>
             <a:pPr lvl="3"/>
             <a:r>
-              <a:rPr lang="es-ES" smtClean="0"/>
+              <a:rPr lang="es-ES"/>
               <a:t>Cuarto nivel</a:t>
             </a:r>
           </a:p>
           <a:p>
             <a:pPr lvl="4"/>
             <a:r>
-              <a:rPr lang="es-ES" smtClean="0"/>
+              <a:rPr lang="es-ES"/>
               <a:t>Quinto nivel</a:t>
             </a:r>
             <a:endParaRPr lang="en-US" dirty="0"/>
@@ -4133,7 +4141,7 @@
           <a:p>
             <a:fld id="{9BAA3810-F1BA-43DC-9256-15A08C5590EE}" type="datetimeFigureOut">
               <a:rPr lang="es-ES" smtClean="0"/>
-              <a:t>20/04/2021</a:t>
+              <a:t>21/04/2021</a:t>
             </a:fld>
             <a:endParaRPr lang="es-ES"/>
           </a:p>
@@ -4258,7 +4266,7 @@
           <a:lstStyle/>
           <a:p>
             <a:r>
-              <a:rPr lang="es-ES" smtClean="0"/>
+              <a:rPr lang="es-ES"/>
               <a:t>Haga clic para modificar el estilo de título del patrón</a:t>
             </a:r>
             <a:endParaRPr lang="en-US" dirty="0"/>
@@ -4282,7 +4290,7 @@
           <a:p>
             <a:fld id="{9BAA3810-F1BA-43DC-9256-15A08C5590EE}" type="datetimeFigureOut">
               <a:rPr lang="es-ES" smtClean="0"/>
-              <a:t>20/04/2021</a:t>
+              <a:t>21/04/2021</a:t>
             </a:fld>
             <a:endParaRPr lang="es-ES"/>
           </a:p>
@@ -4408,7 +4416,7 @@
           <a:p>
             <a:fld id="{9BAA3810-F1BA-43DC-9256-15A08C5590EE}" type="datetimeFigureOut">
               <a:rPr lang="es-ES" smtClean="0"/>
-              <a:t>20/04/2021</a:t>
+              <a:t>21/04/2021</a:t>
             </a:fld>
             <a:endParaRPr lang="es-ES"/>
           </a:p>
@@ -4513,7 +4521,7 @@
           </a:lstStyle>
           <a:p>
             <a:r>
-              <a:rPr lang="es-ES" smtClean="0"/>
+              <a:rPr lang="es-ES"/>
               <a:t>Haga clic para modificar el estilo de título del patrón</a:t>
             </a:r>
             <a:endParaRPr lang="en-US" dirty="0"/>
@@ -4544,35 +4552,35 @@
           <a:p>
             <a:pPr lvl="0"/>
             <a:r>
-              <a:rPr lang="es-ES" smtClean="0"/>
+              <a:rPr lang="es-ES"/>
               <a:t>Haga clic para modificar el estilo de texto del patrón</a:t>
             </a:r>
           </a:p>
           <a:p>
             <a:pPr lvl="1"/>
             <a:r>
-              <a:rPr lang="es-ES" smtClean="0"/>
+              <a:rPr lang="es-ES"/>
               <a:t>Segundo nivel</a:t>
             </a:r>
           </a:p>
           <a:p>
             <a:pPr lvl="2"/>
             <a:r>
-              <a:rPr lang="es-ES" smtClean="0"/>
+              <a:rPr lang="es-ES"/>
               <a:t>Tercer nivel</a:t>
             </a:r>
           </a:p>
           <a:p>
             <a:pPr lvl="3"/>
             <a:r>
-              <a:rPr lang="es-ES" smtClean="0"/>
+              <a:rPr lang="es-ES"/>
               <a:t>Cuarto nivel</a:t>
             </a:r>
           </a:p>
           <a:p>
             <a:pPr lvl="4"/>
             <a:r>
-              <a:rPr lang="es-ES" smtClean="0"/>
+              <a:rPr lang="es-ES"/>
               <a:t>Quinto nivel</a:t>
             </a:r>
             <a:endParaRPr lang="en-US" dirty="0"/>
@@ -4640,7 +4648,7 @@
           <a:p>
             <a:pPr lvl="0"/>
             <a:r>
-              <a:rPr lang="es-ES" smtClean="0"/>
+              <a:rPr lang="es-ES"/>
               <a:t>Haga clic para modificar el estilo de texto del patrón</a:t>
             </a:r>
           </a:p>
@@ -4663,7 +4671,7 @@
           <a:p>
             <a:fld id="{9BAA3810-F1BA-43DC-9256-15A08C5590EE}" type="datetimeFigureOut">
               <a:rPr lang="es-ES" smtClean="0"/>
-              <a:t>20/04/2021</a:t>
+              <a:t>21/04/2021</a:t>
             </a:fld>
             <a:endParaRPr lang="es-ES"/>
           </a:p>
@@ -4799,7 +4807,7 @@
           </a:lstStyle>
           <a:p>
             <a:r>
-              <a:rPr lang="es-ES" smtClean="0"/>
+              <a:rPr lang="es-ES"/>
               <a:t>Haga clic para modificar el estilo de título del patrón</a:t>
             </a:r>
             <a:endParaRPr lang="en-US" dirty="0"/>
@@ -4887,7 +4895,7 @@
           </a:lstStyle>
           <a:p>
             <a:r>
-              <a:rPr lang="es-ES" smtClean="0"/>
+              <a:rPr lang="es-ES"/>
               <a:t>Haga clic en el icono para agregar una imagen</a:t>
             </a:r>
             <a:endParaRPr lang="en-US" dirty="0"/>
@@ -4955,7 +4963,7 @@
           <a:p>
             <a:pPr lvl="0"/>
             <a:r>
-              <a:rPr lang="es-ES" smtClean="0"/>
+              <a:rPr lang="es-ES"/>
               <a:t>Haga clic para modificar el estilo de texto del patrón</a:t>
             </a:r>
           </a:p>
@@ -4978,7 +4986,7 @@
           <a:p>
             <a:fld id="{9BAA3810-F1BA-43DC-9256-15A08C5590EE}" type="datetimeFigureOut">
               <a:rPr lang="es-ES" smtClean="0"/>
-              <a:t>20/04/2021</a:t>
+              <a:t>21/04/2021</a:t>
             </a:fld>
             <a:endParaRPr lang="es-ES"/>
           </a:p>
@@ -5225,7 +5233,7 @@
           <a:lstStyle/>
           <a:p>
             <a:r>
-              <a:rPr lang="es-ES" smtClean="0"/>
+              <a:rPr lang="es-ES"/>
               <a:t>Haga clic para modificar el estilo de título del patrón</a:t>
             </a:r>
             <a:endParaRPr lang="en-US" dirty="0"/>
@@ -5259,35 +5267,35 @@
           <a:p>
             <a:pPr lvl="0"/>
             <a:r>
-              <a:rPr lang="es-ES" smtClean="0"/>
+              <a:rPr lang="es-ES"/>
               <a:t>Haga clic para modificar el estilo de texto del patrón</a:t>
             </a:r>
           </a:p>
           <a:p>
             <a:pPr lvl="1"/>
             <a:r>
-              <a:rPr lang="es-ES" smtClean="0"/>
+              <a:rPr lang="es-ES"/>
               <a:t>Segundo nivel</a:t>
             </a:r>
           </a:p>
           <a:p>
             <a:pPr lvl="2"/>
             <a:r>
-              <a:rPr lang="es-ES" smtClean="0"/>
+              <a:rPr lang="es-ES"/>
               <a:t>Tercer nivel</a:t>
             </a:r>
           </a:p>
           <a:p>
             <a:pPr lvl="3"/>
             <a:r>
-              <a:rPr lang="es-ES" smtClean="0"/>
+              <a:rPr lang="es-ES"/>
               <a:t>Cuarto nivel</a:t>
             </a:r>
           </a:p>
           <a:p>
             <a:pPr lvl="4"/>
             <a:r>
-              <a:rPr lang="es-ES" smtClean="0"/>
+              <a:rPr lang="es-ES"/>
               <a:t>Quinto nivel</a:t>
             </a:r>
             <a:endParaRPr lang="en-US" dirty="0"/>
@@ -5329,7 +5337,7 @@
           <a:p>
             <a:fld id="{9BAA3810-F1BA-43DC-9256-15A08C5590EE}" type="datetimeFigureOut">
               <a:rPr lang="es-ES" smtClean="0"/>
-              <a:t>20/04/2021</a:t>
+              <a:t>21/04/2021</a:t>
             </a:fld>
             <a:endParaRPr lang="es-ES"/>
           </a:p>
@@ -5888,10 +5896,9 @@
           <a:lstStyle/>
           <a:p>
             <a:r>
-              <a:rPr lang="es-ES" dirty="0" smtClean="0"/>
+              <a:rPr lang="es-ES" dirty="0"/>
               <a:t>Proyecto Integrado (ALFA)</a:t>
             </a:r>
-            <a:endParaRPr lang="es-ES" dirty="0"/>
           </a:p>
         </p:txBody>
       </p:sp>
@@ -5911,18 +5918,9 @@
           <a:lstStyle/>
           <a:p>
             <a:r>
-              <a:rPr lang="es-ES" dirty="0" smtClean="0"/>
-              <a:t>Mario Gómez ,Nacho </a:t>
-            </a:r>
-            <a:r>
-              <a:rPr lang="es-ES" dirty="0" err="1" smtClean="0"/>
-              <a:t>Calomarde</a:t>
-            </a:r>
-            <a:r>
-              <a:rPr lang="es-ES" dirty="0" smtClean="0"/>
-              <a:t> ,Pedro Segura </a:t>
-            </a:r>
-            <a:endParaRPr lang="es-ES" dirty="0"/>
+              <a:rPr lang="es-ES" dirty="0"/>
+              <a:t>Mario Gómez, Nacho Calomarde y Pedro Segura </a:t>
+            </a:r>
           </a:p>
         </p:txBody>
       </p:sp>
@@ -5972,72 +5970,110 @@
           <a:lstStyle/>
           <a:p>
             <a:r>
-              <a:rPr lang="es-ES" dirty="0" smtClean="0"/>
+              <a:rPr lang="es-ES" dirty="0"/>
               <a:t>Índice</a:t>
             </a:r>
+          </a:p>
+        </p:txBody>
+      </p:sp>
+      <p:sp>
+        <p:nvSpPr>
+          <p:cNvPr id="3" name="Marcador de contenido 2"/>
+          <p:cNvSpPr>
+            <a:spLocks noGrp="1"/>
+          </p:cNvSpPr>
+          <p:nvPr>
+            <p:ph idx="1"/>
+          </p:nvPr>
+        </p:nvSpPr>
+        <p:spPr/>
+        <p:txBody>
+          <a:bodyPr>
+            <a:normAutofit fontScale="85000" lnSpcReduction="20000"/>
+          </a:bodyPr>
+          <a:lstStyle/>
+          <a:p>
+            <a:r>
+              <a:rPr lang="es-ES" dirty="0"/>
+              <a:t>Idea de proyecto</a:t>
+            </a:r>
+          </a:p>
+          <a:p>
+            <a:r>
+              <a:rPr lang="es-ES" dirty="0" err="1"/>
+              <a:t>Jorney</a:t>
+            </a:r>
+            <a:r>
+              <a:rPr lang="es-ES" dirty="0"/>
+              <a:t> </a:t>
+            </a:r>
+            <a:r>
+              <a:rPr lang="es-ES" dirty="0" err="1"/>
+              <a:t>Map</a:t>
+            </a:r>
             <a:endParaRPr lang="es-ES" dirty="0"/>
           </a:p>
-        </p:txBody>
-      </p:sp>
-      <p:sp>
-        <p:nvSpPr>
-          <p:cNvPr id="3" name="Marcador de contenido 2"/>
-          <p:cNvSpPr>
-            <a:spLocks noGrp="1"/>
-          </p:cNvSpPr>
-          <p:nvPr>
-            <p:ph idx="1"/>
-          </p:nvPr>
-        </p:nvSpPr>
-        <p:spPr/>
-        <p:txBody>
-          <a:bodyPr/>
-          <a:lstStyle/>
-          <a:p>
-            <a:r>
-              <a:rPr lang="es-ES" dirty="0" smtClean="0"/>
-              <a:t>Idea de proyecto</a:t>
-            </a:r>
-          </a:p>
-          <a:p>
-            <a:r>
-              <a:rPr lang="es-ES" dirty="0" smtClean="0"/>
+          <a:p>
+            <a:r>
+              <a:rPr lang="es-ES" dirty="0" err="1"/>
+              <a:t>EmpathyMap</a:t>
+            </a:r>
+            <a:endParaRPr lang="es-ES" dirty="0"/>
+          </a:p>
+          <a:p>
+            <a:r>
+              <a:rPr lang="es-ES" dirty="0" err="1"/>
+              <a:t>Strategy</a:t>
+            </a:r>
+            <a:r>
+              <a:rPr lang="es-ES" dirty="0"/>
+              <a:t> </a:t>
+            </a:r>
+            <a:r>
+              <a:rPr lang="es-ES" dirty="0" err="1"/>
+              <a:t>Document</a:t>
+            </a:r>
+            <a:endParaRPr lang="es-ES" dirty="0"/>
+          </a:p>
+          <a:p>
+            <a:r>
+              <a:rPr lang="es-ES" dirty="0"/>
               <a:t>Bocetos </a:t>
             </a:r>
           </a:p>
           <a:p>
             <a:pPr lvl="1"/>
             <a:r>
-              <a:rPr lang="es-ES" dirty="0" smtClean="0"/>
+              <a:rPr lang="es-ES" dirty="0"/>
               <a:t>Pagina de Registro</a:t>
             </a:r>
           </a:p>
           <a:p>
             <a:pPr lvl="1"/>
             <a:r>
-              <a:rPr lang="es-ES" dirty="0" smtClean="0"/>
+              <a:rPr lang="es-ES" dirty="0"/>
               <a:t>Pagina de </a:t>
             </a:r>
             <a:r>
-              <a:rPr lang="es-ES" dirty="0" err="1" smtClean="0"/>
+              <a:rPr lang="es-ES" dirty="0" err="1"/>
               <a:t>Login</a:t>
             </a:r>
             <a:r>
-              <a:rPr lang="es-ES" dirty="0" smtClean="0"/>
+              <a:rPr lang="es-ES" dirty="0"/>
               <a:t> </a:t>
             </a:r>
           </a:p>
           <a:p>
             <a:pPr lvl="1"/>
             <a:r>
-              <a:rPr lang="es-ES" dirty="0" smtClean="0"/>
+              <a:rPr lang="es-ES" dirty="0"/>
               <a:t>Pagina Principal</a:t>
             </a:r>
           </a:p>
           <a:p>
             <a:pPr lvl="1"/>
             <a:r>
-              <a:rPr lang="es-ES" dirty="0" smtClean="0"/>
+              <a:rPr lang="es-ES" dirty="0"/>
               <a:t>Pagina de Perfil</a:t>
             </a:r>
           </a:p>
@@ -6078,6 +6114,284 @@
       </p:grpSpPr>
       <p:sp>
         <p:nvSpPr>
+          <p:cNvPr id="2" name="Título 1">
+            <a:extLst>
+              <a:ext uri="{FF2B5EF4-FFF2-40B4-BE49-F238E27FC236}">
+                <a16:creationId xmlns:a16="http://schemas.microsoft.com/office/drawing/2014/main" id="{D9E85AB7-112F-41A4-993A-496DE06D5FB3}"/>
+              </a:ext>
+            </a:extLst>
+          </p:cNvPr>
+          <p:cNvSpPr>
+            <a:spLocks noGrp="1"/>
+          </p:cNvSpPr>
+          <p:nvPr>
+            <p:ph type="title"/>
+          </p:nvPr>
+        </p:nvSpPr>
+        <p:spPr/>
+        <p:txBody>
+          <a:bodyPr/>
+          <a:lstStyle/>
+          <a:p>
+            <a:r>
+              <a:rPr lang="es-ES"/>
+              <a:t>Jorney Map</a:t>
+            </a:r>
+            <a:endParaRPr lang="es-ES" dirty="0"/>
+          </a:p>
+        </p:txBody>
+      </p:sp>
+      <p:pic>
+        <p:nvPicPr>
+          <p:cNvPr id="5" name="Marcador de contenido 4">
+            <a:extLst>
+              <a:ext uri="{FF2B5EF4-FFF2-40B4-BE49-F238E27FC236}">
+                <a16:creationId xmlns:a16="http://schemas.microsoft.com/office/drawing/2014/main" id="{F283E38E-D7A3-41F4-98D2-611306D8CBE8}"/>
+              </a:ext>
+            </a:extLst>
+          </p:cNvPr>
+          <p:cNvPicPr>
+            <a:picLocks noGrp="1" noChangeAspect="1"/>
+          </p:cNvPicPr>
+          <p:nvPr>
+            <p:ph idx="1"/>
+          </p:nvPr>
+        </p:nvPicPr>
+        <p:blipFill>
+          <a:blip r:embed="rId2"/>
+          <a:stretch>
+            <a:fillRect/>
+          </a:stretch>
+        </p:blipFill>
+        <p:spPr>
+          <a:xfrm>
+            <a:off x="3601539" y="2557463"/>
+            <a:ext cx="4988921" cy="3317875"/>
+          </a:xfrm>
+        </p:spPr>
+      </p:pic>
+    </p:spTree>
+    <p:extLst>
+      <p:ext uri="{BB962C8B-B14F-4D97-AF65-F5344CB8AC3E}">
+        <p14:creationId xmlns:p14="http://schemas.microsoft.com/office/powerpoint/2010/main" val="1205215929"/>
+      </p:ext>
+    </p:extLst>
+  </p:cSld>
+  <p:clrMapOvr>
+    <a:masterClrMapping/>
+  </p:clrMapOvr>
+</p:sld>
+</file>
+
+<file path=ppt/slides/slide4.xml><?xml version="1.0" encoding="utf-8"?>
+<p:sld xmlns:a="http://schemas.openxmlformats.org/drawingml/2006/main" xmlns:r="http://schemas.openxmlformats.org/officeDocument/2006/relationships" xmlns:p="http://schemas.openxmlformats.org/presentationml/2006/main">
+  <p:cSld>
+    <p:spTree>
+      <p:nvGrpSpPr>
+        <p:cNvPr id="1" name=""/>
+        <p:cNvGrpSpPr/>
+        <p:nvPr/>
+      </p:nvGrpSpPr>
+      <p:grpSpPr>
+        <a:xfrm>
+          <a:off x="0" y="0"/>
+          <a:ext cx="0" cy="0"/>
+          <a:chOff x="0" y="0"/>
+          <a:chExt cx="0" cy="0"/>
+        </a:xfrm>
+      </p:grpSpPr>
+      <p:sp>
+        <p:nvSpPr>
+          <p:cNvPr id="2" name="Título 1">
+            <a:extLst>
+              <a:ext uri="{FF2B5EF4-FFF2-40B4-BE49-F238E27FC236}">
+                <a16:creationId xmlns:a16="http://schemas.microsoft.com/office/drawing/2014/main" id="{BF9A3B6B-7D1E-48E9-A5B7-66C79AEFF2B4}"/>
+              </a:ext>
+            </a:extLst>
+          </p:cNvPr>
+          <p:cNvSpPr>
+            <a:spLocks noGrp="1"/>
+          </p:cNvSpPr>
+          <p:nvPr>
+            <p:ph type="title"/>
+          </p:nvPr>
+        </p:nvSpPr>
+        <p:spPr/>
+        <p:txBody>
+          <a:bodyPr/>
+          <a:lstStyle/>
+          <a:p>
+            <a:r>
+              <a:rPr lang="es-ES" dirty="0" err="1"/>
+              <a:t>EmpathyMap</a:t>
+            </a:r>
+            <a:endParaRPr lang="es-ES" dirty="0"/>
+          </a:p>
+        </p:txBody>
+      </p:sp>
+      <p:pic>
+        <p:nvPicPr>
+          <p:cNvPr id="5" name="Marcador de contenido 4">
+            <a:extLst>
+              <a:ext uri="{FF2B5EF4-FFF2-40B4-BE49-F238E27FC236}">
+                <a16:creationId xmlns:a16="http://schemas.microsoft.com/office/drawing/2014/main" id="{76AFE95A-2D21-45A0-A023-22CC7B482C36}"/>
+              </a:ext>
+            </a:extLst>
+          </p:cNvPr>
+          <p:cNvPicPr>
+            <a:picLocks noGrp="1" noChangeAspect="1"/>
+          </p:cNvPicPr>
+          <p:nvPr>
+            <p:ph idx="1"/>
+          </p:nvPr>
+        </p:nvPicPr>
+        <p:blipFill>
+          <a:blip r:embed="rId2">
+            <a:extLst>
+              <a:ext uri="{28A0092B-C50C-407E-A947-70E740481C1C}">
+                <a14:useLocalDpi xmlns:a14="http://schemas.microsoft.com/office/drawing/2010/main" val="0"/>
+              </a:ext>
+            </a:extLst>
+          </a:blip>
+          <a:stretch>
+            <a:fillRect/>
+          </a:stretch>
+        </p:blipFill>
+        <p:spPr>
+          <a:xfrm>
+            <a:off x="3523691" y="2557463"/>
+            <a:ext cx="5144617" cy="3317875"/>
+          </a:xfrm>
+        </p:spPr>
+      </p:pic>
+    </p:spTree>
+    <p:extLst>
+      <p:ext uri="{BB962C8B-B14F-4D97-AF65-F5344CB8AC3E}">
+        <p14:creationId xmlns:p14="http://schemas.microsoft.com/office/powerpoint/2010/main" val="643111686"/>
+      </p:ext>
+    </p:extLst>
+  </p:cSld>
+  <p:clrMapOvr>
+    <a:masterClrMapping/>
+  </p:clrMapOvr>
+</p:sld>
+</file>
+
+<file path=ppt/slides/slide5.xml><?xml version="1.0" encoding="utf-8"?>
+<p:sld xmlns:a="http://schemas.openxmlformats.org/drawingml/2006/main" xmlns:r="http://schemas.openxmlformats.org/officeDocument/2006/relationships" xmlns:p="http://schemas.openxmlformats.org/presentationml/2006/main">
+  <p:cSld>
+    <p:spTree>
+      <p:nvGrpSpPr>
+        <p:cNvPr id="1" name=""/>
+        <p:cNvGrpSpPr/>
+        <p:nvPr/>
+      </p:nvGrpSpPr>
+      <p:grpSpPr>
+        <a:xfrm>
+          <a:off x="0" y="0"/>
+          <a:ext cx="0" cy="0"/>
+          <a:chOff x="0" y="0"/>
+          <a:chExt cx="0" cy="0"/>
+        </a:xfrm>
+      </p:grpSpPr>
+      <p:sp>
+        <p:nvSpPr>
+          <p:cNvPr id="2" name="Título 1">
+            <a:extLst>
+              <a:ext uri="{FF2B5EF4-FFF2-40B4-BE49-F238E27FC236}">
+                <a16:creationId xmlns:a16="http://schemas.microsoft.com/office/drawing/2014/main" id="{BA31A812-DCAF-4F65-8117-31BFD25DE1FE}"/>
+              </a:ext>
+            </a:extLst>
+          </p:cNvPr>
+          <p:cNvSpPr>
+            <a:spLocks noGrp="1"/>
+          </p:cNvSpPr>
+          <p:nvPr>
+            <p:ph type="title"/>
+          </p:nvPr>
+        </p:nvSpPr>
+        <p:spPr/>
+        <p:txBody>
+          <a:bodyPr/>
+          <a:lstStyle/>
+          <a:p>
+            <a:r>
+              <a:rPr lang="es-ES" dirty="0" err="1"/>
+              <a:t>Strategy</a:t>
+            </a:r>
+            <a:r>
+              <a:rPr lang="es-ES" dirty="0"/>
+              <a:t> </a:t>
+            </a:r>
+            <a:r>
+              <a:rPr lang="es-ES" dirty="0" err="1"/>
+              <a:t>Document</a:t>
+            </a:r>
+            <a:endParaRPr lang="es-ES" dirty="0"/>
+          </a:p>
+        </p:txBody>
+      </p:sp>
+      <p:pic>
+        <p:nvPicPr>
+          <p:cNvPr id="5" name="Marcador de contenido 4">
+            <a:extLst>
+              <a:ext uri="{FF2B5EF4-FFF2-40B4-BE49-F238E27FC236}">
+                <a16:creationId xmlns:a16="http://schemas.microsoft.com/office/drawing/2014/main" id="{5242CB30-7703-4345-AE22-514B5F5683EE}"/>
+              </a:ext>
+            </a:extLst>
+          </p:cNvPr>
+          <p:cNvPicPr>
+            <a:picLocks noGrp="1" noChangeAspect="1"/>
+          </p:cNvPicPr>
+          <p:nvPr>
+            <p:ph idx="1"/>
+          </p:nvPr>
+        </p:nvPicPr>
+        <p:blipFill>
+          <a:blip r:embed="rId2"/>
+          <a:stretch>
+            <a:fillRect/>
+          </a:stretch>
+        </p:blipFill>
+        <p:spPr>
+          <a:xfrm>
+            <a:off x="3373703" y="2557463"/>
+            <a:ext cx="5444594" cy="3317875"/>
+          </a:xfrm>
+        </p:spPr>
+      </p:pic>
+    </p:spTree>
+    <p:extLst>
+      <p:ext uri="{BB962C8B-B14F-4D97-AF65-F5344CB8AC3E}">
+        <p14:creationId xmlns:p14="http://schemas.microsoft.com/office/powerpoint/2010/main" val="3692416000"/>
+      </p:ext>
+    </p:extLst>
+  </p:cSld>
+  <p:clrMapOvr>
+    <a:masterClrMapping/>
+  </p:clrMapOvr>
+</p:sld>
+</file>
+
+<file path=ppt/slides/slide6.xml><?xml version="1.0" encoding="utf-8"?>
+<p:sld xmlns:a="http://schemas.openxmlformats.org/drawingml/2006/main" xmlns:r="http://schemas.openxmlformats.org/officeDocument/2006/relationships" xmlns:p="http://schemas.openxmlformats.org/presentationml/2006/main">
+  <p:cSld>
+    <p:spTree>
+      <p:nvGrpSpPr>
+        <p:cNvPr id="1" name=""/>
+        <p:cNvGrpSpPr/>
+        <p:nvPr/>
+      </p:nvGrpSpPr>
+      <p:grpSpPr>
+        <a:xfrm>
+          <a:off x="0" y="0"/>
+          <a:ext cx="0" cy="0"/>
+          <a:chOff x="0" y="0"/>
+          <a:chExt cx="0" cy="0"/>
+        </a:xfrm>
+      </p:grpSpPr>
+      <p:sp>
+        <p:nvSpPr>
           <p:cNvPr id="2" name="Título 1"/>
           <p:cNvSpPr>
             <a:spLocks noGrp="1"/>
@@ -6092,10 +6406,9 @@
           <a:lstStyle/>
           <a:p>
             <a:r>
-              <a:rPr lang="es-ES" dirty="0" smtClean="0"/>
+              <a:rPr lang="es-ES" dirty="0"/>
               <a:t>Pagina de registro</a:t>
             </a:r>
-            <a:endParaRPr lang="es-ES" dirty="0"/>
           </a:p>
         </p:txBody>
       </p:sp>
@@ -6141,7 +6454,7 @@
 </p:sld>
 </file>
 
-<file path=ppt/slides/slide4.xml><?xml version="1.0" encoding="utf-8"?>
+<file path=ppt/slides/slide7.xml><?xml version="1.0" encoding="utf-8"?>
 <p:sld xmlns:a="http://schemas.openxmlformats.org/drawingml/2006/main" xmlns:r="http://schemas.openxmlformats.org/officeDocument/2006/relationships" xmlns:p="http://schemas.openxmlformats.org/presentationml/2006/main">
   <p:cSld>
     <p:spTree>
@@ -6174,11 +6487,11 @@
           <a:lstStyle/>
           <a:p>
             <a:r>
-              <a:rPr lang="es-ES" dirty="0" smtClean="0"/>
+              <a:rPr lang="es-ES" dirty="0"/>
               <a:t>Pagina de </a:t>
             </a:r>
             <a:r>
-              <a:rPr lang="es-ES" dirty="0" err="1" smtClean="0"/>
+              <a:rPr lang="es-ES" dirty="0" err="1"/>
               <a:t>Login</a:t>
             </a:r>
             <a:endParaRPr lang="es-ES" dirty="0"/>
@@ -6227,7 +6540,7 @@
 </p:sld>
 </file>
 
-<file path=ppt/slides/slide5.xml><?xml version="1.0" encoding="utf-8"?>
+<file path=ppt/slides/slide8.xml><?xml version="1.0" encoding="utf-8"?>
 <p:sld xmlns:a="http://schemas.openxmlformats.org/drawingml/2006/main" xmlns:r="http://schemas.openxmlformats.org/officeDocument/2006/relationships" xmlns:p="http://schemas.openxmlformats.org/presentationml/2006/main">
   <p:cSld>
     <p:spTree>
@@ -6260,10 +6573,9 @@
           <a:lstStyle/>
           <a:p>
             <a:r>
-              <a:rPr lang="es-ES" dirty="0" smtClean="0"/>
+              <a:rPr lang="es-ES" dirty="0"/>
               <a:t>Pagina Principal</a:t>
             </a:r>
-            <a:endParaRPr lang="es-ES" dirty="0"/>
           </a:p>
         </p:txBody>
       </p:sp>
@@ -6308,7 +6620,7 @@
 </p:sld>
 </file>
 
-<file path=ppt/slides/slide6.xml><?xml version="1.0" encoding="utf-8"?>
+<file path=ppt/slides/slide9.xml><?xml version="1.0" encoding="utf-8"?>
 <p:sld xmlns:a="http://schemas.openxmlformats.org/drawingml/2006/main" xmlns:r="http://schemas.openxmlformats.org/officeDocument/2006/relationships" xmlns:p="http://schemas.openxmlformats.org/presentationml/2006/main">
   <p:cSld>
     <p:spTree>
@@ -6341,10 +6653,9 @@
           <a:lstStyle/>
           <a:p>
             <a:r>
-              <a:rPr lang="es-ES" dirty="0" smtClean="0"/>
+              <a:rPr lang="es-ES" dirty="0"/>
               <a:t>Pagina de Perfil</a:t>
             </a:r>
-            <a:endParaRPr lang="es-ES" dirty="0"/>
           </a:p>
         </p:txBody>
       </p:sp>
